--- a/CVOE/3 Presentations/CVOE Poster -- William Carey.pptx
+++ b/CVOE/3 Presentations/CVOE Poster -- William Carey.pptx
@@ -262,7 +262,7 @@
 
 <file path=ppt/commentAuthors.xml><?xml version="1.0" encoding="utf-8"?>
 <p:cmAuthorLst xmlns:a="http://schemas.openxmlformats.org/drawingml/2006/main" xmlns:r="http://schemas.openxmlformats.org/officeDocument/2006/relationships" xmlns:p="http://schemas.openxmlformats.org/presentationml/2006/main">
-  <p:cmAuthor id="1" name="Nick Maxwell" initials="NM" lastIdx="3" clrIdx="0">
+  <p:cmAuthor id="1" name="Nick Maxwell" initials="NM" lastIdx="4" clrIdx="0">
     <p:extLst>
       <p:ext uri="{19B8F6BF-5375-455C-9EA6-DF929625EA0E}">
         <p15:presenceInfo xmlns:p15="http://schemas.microsoft.com/office/powerpoint/2012/main" userId="8614ede61265de7b" providerId="Windows Live"/>
@@ -275,7 +275,7 @@
 <file path=ppt/revisionInfo.xml><?xml version="1.0" encoding="utf-8"?>
 <p1510:revInfo xmlns:a="http://schemas.openxmlformats.org/drawingml/2006/main" xmlns:r="http://schemas.openxmlformats.org/officeDocument/2006/relationships" xmlns:p1510="http://schemas.microsoft.com/office/powerpoint/2015/10/main">
   <p1510:revLst>
-    <p1510:client id="{B8B85BB3-9AF1-43A2-861C-5322C49DCBF1}" v="2081" dt="2019-04-04T19:10:12.189"/>
+    <p1510:client id="{B8B85BB3-9AF1-43A2-861C-5322C49DCBF1}" v="4364" dt="2019-04-05T15:13:48.975"/>
   </p1510:revLst>
 </p1510:revInfo>
 </file>
@@ -285,12 +285,12 @@
   <pc:docChgLst>
     <pc:chgData name="Nick Maxwell" userId="8614ede61265de7b" providerId="LiveId" clId="{B8B85BB3-9AF1-43A2-861C-5322C49DCBF1}"/>
     <pc:docChg chg="undo custSel modSld">
-      <pc:chgData name="Nick Maxwell" userId="8614ede61265de7b" providerId="LiveId" clId="{B8B85BB3-9AF1-43A2-861C-5322C49DCBF1}" dt="2019-04-04T19:10:12.189" v="2056"/>
+      <pc:chgData name="Nick Maxwell" userId="8614ede61265de7b" providerId="LiveId" clId="{B8B85BB3-9AF1-43A2-861C-5322C49DCBF1}" dt="2019-04-05T15:13:48.975" v="4339" actId="1076"/>
       <pc:docMkLst>
         <pc:docMk/>
       </pc:docMkLst>
       <pc:sldChg chg="addSp delSp modSp mod addCm modCm">
-        <pc:chgData name="Nick Maxwell" userId="8614ede61265de7b" providerId="LiveId" clId="{B8B85BB3-9AF1-43A2-861C-5322C49DCBF1}" dt="2019-04-04T19:10:12.189" v="2056"/>
+        <pc:chgData name="Nick Maxwell" userId="8614ede61265de7b" providerId="LiveId" clId="{B8B85BB3-9AF1-43A2-861C-5322C49DCBF1}" dt="2019-04-05T15:13:48.975" v="4339" actId="1076"/>
         <pc:sldMkLst>
           <pc:docMk/>
           <pc:sldMk cId="0" sldId="256"/>
@@ -312,7 +312,23 @@
           </ac:spMkLst>
         </pc:spChg>
         <pc:spChg chg="add mod">
-          <ac:chgData name="Nick Maxwell" userId="8614ede61265de7b" providerId="LiveId" clId="{B8B85BB3-9AF1-43A2-861C-5322C49DCBF1}" dt="2019-04-04T18:44:04.932" v="1582" actId="1036"/>
+          <ac:chgData name="Nick Maxwell" userId="8614ede61265de7b" providerId="LiveId" clId="{B8B85BB3-9AF1-43A2-861C-5322C49DCBF1}" dt="2019-04-05T14:31:07.426" v="2385" actId="403"/>
+          <ac:spMkLst>
+            <pc:docMk/>
+            <pc:sldMk cId="0" sldId="256"/>
+            <ac:spMk id="3" creationId="{EAFA055C-EF8D-460B-95BE-832F46609095}"/>
+          </ac:spMkLst>
+        </pc:spChg>
+        <pc:spChg chg="add mod">
+          <ac:chgData name="Nick Maxwell" userId="8614ede61265de7b" providerId="LiveId" clId="{B8B85BB3-9AF1-43A2-861C-5322C49DCBF1}" dt="2019-04-05T15:13:42.609" v="4337" actId="207"/>
+          <ac:spMkLst>
+            <pc:docMk/>
+            <pc:sldMk cId="0" sldId="256"/>
+            <ac:spMk id="4" creationId="{6689B6BF-5F07-4675-B851-9D3555B2080D}"/>
+          </ac:spMkLst>
+        </pc:spChg>
+        <pc:spChg chg="add mod">
+          <ac:chgData name="Nick Maxwell" userId="8614ede61265de7b" providerId="LiveId" clId="{B8B85BB3-9AF1-43A2-861C-5322C49DCBF1}" dt="2019-04-05T15:09:29.938" v="4177" actId="1076"/>
           <ac:spMkLst>
             <pc:docMk/>
             <pc:sldMk cId="0" sldId="256"/>
@@ -344,7 +360,7 @@
           </ac:spMkLst>
         </pc:spChg>
         <pc:spChg chg="add mod">
-          <ac:chgData name="Nick Maxwell" userId="8614ede61265de7b" providerId="LiveId" clId="{B8B85BB3-9AF1-43A2-861C-5322C49DCBF1}" dt="2019-04-04T18:44:19.725" v="1588" actId="1076"/>
+          <ac:chgData name="Nick Maxwell" userId="8614ede61265de7b" providerId="LiveId" clId="{B8B85BB3-9AF1-43A2-861C-5322C49DCBF1}" dt="2019-04-05T14:28:57.814" v="2339" actId="1035"/>
           <ac:spMkLst>
             <pc:docMk/>
             <pc:sldMk cId="0" sldId="256"/>
@@ -368,7 +384,7 @@
           </ac:spMkLst>
         </pc:spChg>
         <pc:spChg chg="add mod">
-          <ac:chgData name="Nick Maxwell" userId="8614ede61265de7b" providerId="LiveId" clId="{B8B85BB3-9AF1-43A2-861C-5322C49DCBF1}" dt="2019-04-04T18:44:16.604" v="1587" actId="1076"/>
+          <ac:chgData name="Nick Maxwell" userId="8614ede61265de7b" providerId="LiveId" clId="{B8B85BB3-9AF1-43A2-861C-5322C49DCBF1}" dt="2019-04-05T14:30:11.853" v="2375" actId="1076"/>
           <ac:spMkLst>
             <pc:docMk/>
             <pc:sldMk cId="0" sldId="256"/>
@@ -416,7 +432,7 @@
           </ac:spMkLst>
         </pc:spChg>
         <pc:spChg chg="add mod ord">
-          <ac:chgData name="Nick Maxwell" userId="8614ede61265de7b" providerId="LiveId" clId="{B8B85BB3-9AF1-43A2-861C-5322C49DCBF1}" dt="2019-04-04T18:45:10.862" v="1601" actId="1037"/>
+          <ac:chgData name="Nick Maxwell" userId="8614ede61265de7b" providerId="LiveId" clId="{B8B85BB3-9AF1-43A2-861C-5322C49DCBF1}" dt="2019-04-05T14:30:24.649" v="2380" actId="1076"/>
           <ac:spMkLst>
             <pc:docMk/>
             <pc:sldMk cId="0" sldId="256"/>
@@ -424,7 +440,7 @@
           </ac:spMkLst>
         </pc:spChg>
         <pc:spChg chg="add mod">
-          <ac:chgData name="Nick Maxwell" userId="8614ede61265de7b" providerId="LiveId" clId="{B8B85BB3-9AF1-43A2-861C-5322C49DCBF1}" dt="2019-04-04T18:45:23.403" v="1610" actId="1038"/>
+          <ac:chgData name="Nick Maxwell" userId="8614ede61265de7b" providerId="LiveId" clId="{B8B85BB3-9AF1-43A2-861C-5322C49DCBF1}" dt="2019-04-05T14:30:30.073" v="2381" actId="1076"/>
           <ac:spMkLst>
             <pc:docMk/>
             <pc:sldMk cId="0" sldId="256"/>
@@ -432,7 +448,7 @@
           </ac:spMkLst>
         </pc:spChg>
         <pc:spChg chg="add mod">
-          <ac:chgData name="Nick Maxwell" userId="8614ede61265de7b" providerId="LiveId" clId="{B8B85BB3-9AF1-43A2-861C-5322C49DCBF1}" dt="2019-04-04T18:45:04.544" v="1597" actId="1038"/>
+          <ac:chgData name="Nick Maxwell" userId="8614ede61265de7b" providerId="LiveId" clId="{B8B85BB3-9AF1-43A2-861C-5322C49DCBF1}" dt="2019-04-05T14:30:48.646" v="2383" actId="1076"/>
           <ac:spMkLst>
             <pc:docMk/>
             <pc:sldMk cId="0" sldId="256"/>
@@ -448,7 +464,7 @@
           </ac:spMkLst>
         </pc:spChg>
         <pc:spChg chg="add mod">
-          <ac:chgData name="Nick Maxwell" userId="8614ede61265de7b" providerId="LiveId" clId="{B8B85BB3-9AF1-43A2-861C-5322C49DCBF1}" dt="2019-04-04T18:30:01.041" v="1158" actId="1076"/>
+          <ac:chgData name="Nick Maxwell" userId="8614ede61265de7b" providerId="LiveId" clId="{B8B85BB3-9AF1-43A2-861C-5322C49DCBF1}" dt="2019-04-05T14:34:59.485" v="2485" actId="1036"/>
           <ac:spMkLst>
             <pc:docMk/>
             <pc:sldMk cId="0" sldId="256"/>
@@ -456,7 +472,7 @@
           </ac:spMkLst>
         </pc:spChg>
         <pc:spChg chg="add mod">
-          <ac:chgData name="Nick Maxwell" userId="8614ede61265de7b" providerId="LiveId" clId="{B8B85BB3-9AF1-43A2-861C-5322C49DCBF1}" dt="2019-04-04T19:07:34.164" v="2045" actId="1076"/>
+          <ac:chgData name="Nick Maxwell" userId="8614ede61265de7b" providerId="LiveId" clId="{B8B85BB3-9AF1-43A2-861C-5322C49DCBF1}" dt="2019-04-05T14:35:10.067" v="2486" actId="1076"/>
           <ac:spMkLst>
             <pc:docMk/>
             <pc:sldMk cId="0" sldId="256"/>
@@ -504,7 +520,7 @@
           </ac:spMkLst>
         </pc:spChg>
         <pc:spChg chg="mod">
-          <ac:chgData name="Nick Maxwell" userId="8614ede61265de7b" providerId="LiveId" clId="{B8B85BB3-9AF1-43A2-861C-5322C49DCBF1}" dt="2019-04-04T15:54:30.750" v="791" actId="1036"/>
+          <ac:chgData name="Nick Maxwell" userId="8614ede61265de7b" providerId="LiveId" clId="{B8B85BB3-9AF1-43A2-861C-5322C49DCBF1}" dt="2019-04-05T14:32:55.086" v="2392" actId="1076"/>
           <ac:spMkLst>
             <pc:docMk/>
             <pc:sldMk cId="0" sldId="256"/>
@@ -520,7 +536,7 @@
           </ac:spMkLst>
         </pc:spChg>
         <pc:spChg chg="mod">
-          <ac:chgData name="Nick Maxwell" userId="8614ede61265de7b" providerId="LiveId" clId="{B8B85BB3-9AF1-43A2-861C-5322C49DCBF1}" dt="2019-04-04T18:43:13.374" v="1535" actId="20577"/>
+          <ac:chgData name="Nick Maxwell" userId="8614ede61265de7b" providerId="LiveId" clId="{B8B85BB3-9AF1-43A2-861C-5322C49DCBF1}" dt="2019-04-05T14:33:09.435" v="2393" actId="20577"/>
           <ac:spMkLst>
             <pc:docMk/>
             <pc:sldMk cId="0" sldId="256"/>
@@ -528,7 +544,7 @@
           </ac:spMkLst>
         </pc:spChg>
         <pc:spChg chg="mod">
-          <ac:chgData name="Nick Maxwell" userId="8614ede61265de7b" providerId="LiveId" clId="{B8B85BB3-9AF1-43A2-861C-5322C49DCBF1}" dt="2019-04-04T15:50:51.659" v="606" actId="1076"/>
+          <ac:chgData name="Nick Maxwell" userId="8614ede61265de7b" providerId="LiveId" clId="{B8B85BB3-9AF1-43A2-861C-5322C49DCBF1}" dt="2019-04-05T15:13:47.879" v="4338" actId="207"/>
           <ac:spMkLst>
             <pc:docMk/>
             <pc:sldMk cId="0" sldId="256"/>
@@ -536,7 +552,7 @@
           </ac:spMkLst>
         </pc:spChg>
         <pc:spChg chg="mod">
-          <ac:chgData name="Nick Maxwell" userId="8614ede61265de7b" providerId="LiveId" clId="{B8B85BB3-9AF1-43A2-861C-5322C49DCBF1}" dt="2019-04-04T18:29:18.745" v="1077" actId="1076"/>
+          <ac:chgData name="Nick Maxwell" userId="8614ede61265de7b" providerId="LiveId" clId="{B8B85BB3-9AF1-43A2-861C-5322C49DCBF1}" dt="2019-04-04T20:37:11.267" v="2057" actId="1036"/>
           <ac:spMkLst>
             <pc:docMk/>
             <pc:sldMk cId="0" sldId="256"/>
@@ -544,7 +560,7 @@
           </ac:spMkLst>
         </pc:spChg>
         <pc:spChg chg="mod">
-          <ac:chgData name="Nick Maxwell" userId="8614ede61265de7b" providerId="LiveId" clId="{B8B85BB3-9AF1-43A2-861C-5322C49DCBF1}" dt="2019-04-04T18:43:18.617" v="1536" actId="1076"/>
+          <ac:chgData name="Nick Maxwell" userId="8614ede61265de7b" providerId="LiveId" clId="{B8B85BB3-9AF1-43A2-861C-5322C49DCBF1}" dt="2019-04-05T14:32:10.802" v="2387" actId="1076"/>
           <ac:spMkLst>
             <pc:docMk/>
             <pc:sldMk cId="0" sldId="256"/>
@@ -584,7 +600,7 @@
           </ac:spMkLst>
         </pc:spChg>
         <pc:spChg chg="mod">
-          <ac:chgData name="Nick Maxwell" userId="8614ede61265de7b" providerId="LiveId" clId="{B8B85BB3-9AF1-43A2-861C-5322C49DCBF1}" dt="2019-04-04T19:07:42.178" v="2047" actId="14100"/>
+          <ac:chgData name="Nick Maxwell" userId="8614ede61265de7b" providerId="LiveId" clId="{B8B85BB3-9AF1-43A2-861C-5322C49DCBF1}" dt="2019-04-05T15:13:48.975" v="4339" actId="1076"/>
           <ac:spMkLst>
             <pc:docMk/>
             <pc:sldMk cId="0" sldId="256"/>
@@ -640,7 +656,7 @@
           </ac:spMkLst>
         </pc:spChg>
         <pc:grpChg chg="add mod">
-          <ac:chgData name="Nick Maxwell" userId="8614ede61265de7b" providerId="LiveId" clId="{B8B85BB3-9AF1-43A2-861C-5322C49DCBF1}" dt="2019-04-04T18:44:56.462" v="1590" actId="1038"/>
+          <ac:chgData name="Nick Maxwell" userId="8614ede61265de7b" providerId="LiveId" clId="{B8B85BB3-9AF1-43A2-861C-5322C49DCBF1}" dt="2019-04-05T14:30:18.056" v="2379" actId="1076"/>
           <ac:grpSpMkLst>
             <pc:docMk/>
             <pc:sldMk cId="0" sldId="256"/>
@@ -656,7 +672,7 @@
           </ac:grpSpMkLst>
         </pc:grpChg>
         <pc:graphicFrameChg chg="add mod">
-          <ac:chgData name="Nick Maxwell" userId="8614ede61265de7b" providerId="LiveId" clId="{B8B85BB3-9AF1-43A2-861C-5322C49DCBF1}" dt="2019-04-04T19:06:12.396" v="2043" actId="207"/>
+          <ac:chgData name="Nick Maxwell" userId="8614ede61265de7b" providerId="LiveId" clId="{B8B85BB3-9AF1-43A2-861C-5322C49DCBF1}" dt="2019-04-05T14:33:28.532" v="2394" actId="20577"/>
           <ac:graphicFrameMkLst>
             <pc:docMk/>
             <pc:sldMk cId="0" sldId="256"/>
@@ -672,7 +688,7 @@
           </ac:graphicFrameMkLst>
         </pc:graphicFrameChg>
         <pc:graphicFrameChg chg="add mod">
-          <ac:chgData name="Nick Maxwell" userId="8614ede61265de7b" providerId="LiveId" clId="{B8B85BB3-9AF1-43A2-861C-5322C49DCBF1}" dt="2019-04-04T19:04:51.667" v="2027" actId="692"/>
+          <ac:chgData name="Nick Maxwell" userId="8614ede61265de7b" providerId="LiveId" clId="{B8B85BB3-9AF1-43A2-861C-5322C49DCBF1}" dt="2019-04-05T14:34:53.376" v="2477" actId="1035"/>
           <ac:graphicFrameMkLst>
             <pc:docMk/>
             <pc:sldMk cId="0" sldId="256"/>
@@ -680,7 +696,7 @@
           </ac:graphicFrameMkLst>
         </pc:graphicFrameChg>
         <pc:graphicFrameChg chg="add mod">
-          <ac:chgData name="Nick Maxwell" userId="8614ede61265de7b" providerId="LiveId" clId="{B8B85BB3-9AF1-43A2-861C-5322C49DCBF1}" dt="2019-04-04T19:05:56.936" v="2039" actId="692"/>
+          <ac:chgData name="Nick Maxwell" userId="8614ede61265de7b" providerId="LiveId" clId="{B8B85BB3-9AF1-43A2-861C-5322C49DCBF1}" dt="2019-04-05T14:34:40.434" v="2463" actId="1036"/>
           <ac:graphicFrameMkLst>
             <pc:docMk/>
             <pc:sldMk cId="0" sldId="256"/>
@@ -780,12 +796,12 @@
               </a:defRPr>
             </a:pPr>
             <a:r>
-              <a:rPr lang="en-US" sz="2800" b="1">
+              <a:rPr lang="en-US" sz="2800" b="1" dirty="0">
                 <a:solidFill>
                   <a:schemeClr val="tx1"/>
                 </a:solidFill>
               </a:rPr>
-              <a:t>Pure, Alternating Runs, and Randomized Switch</a:t>
+              <a:t>Pure, Alternating Run, and Randomized Switch</a:t>
             </a:r>
           </a:p>
         </c:rich>
@@ -1081,8 +1097,8 @@
               </a:defRPr>
             </a:pPr>
             <a:r>
-              <a:rPr lang="en-US" sz="2800"/>
-              <a:t>Pure , Alternating Runs, and Randomized Switch</a:t>
+              <a:rPr lang="en-US" sz="2800" dirty="0"/>
+              <a:t>Pure , Alternating Run, and Randomized Switch</a:t>
             </a:r>
           </a:p>
         </c:rich>
@@ -4329,18 +4345,18 @@
 <file path=ppt/comments/comment1.xml><?xml version="1.0" encoding="utf-8"?>
 <p:cmLst xmlns:a="http://schemas.openxmlformats.org/drawingml/2006/main" xmlns:r="http://schemas.openxmlformats.org/officeDocument/2006/relationships" xmlns:p="http://schemas.openxmlformats.org/presentationml/2006/main">
   <p:cm authorId="1" dt="2019-04-04T14:08:57.317" idx="1">
-    <p:pos x="10481" y="5903"/>
+    <p:pos x="20721" y="5807"/>
     <p:text>Need to update these graphs with the correct numbers once I get all the data scored.</p:text>
-    <p:extLst>
+    <p:extLst mod="1">
       <p:ext uri="{C676402C-5697-4E1C-873F-D02D1690AC5C}">
         <p15:threadingInfo xmlns:p15="http://schemas.microsoft.com/office/powerpoint/2012/main" timeZoneBias="300"/>
       </p:ext>
     </p:extLst>
   </p:cm>
   <p:cm authorId="1" dt="2019-04-04T14:09:24.316" idx="2">
-    <p:pos x="10" y="10"/>
+    <p:pos x="10442" y="5162"/>
     <p:text>This will be updated once I have a total number of subjects</p:text>
-    <p:extLst>
+    <p:extLst mod="1">
       <p:ext uri="{C676402C-5697-4E1C-873F-D02D1690AC5C}">
         <p15:threadingInfo xmlns:p15="http://schemas.microsoft.com/office/powerpoint/2012/main" timeZoneBias="300"/>
       </p:ext>
@@ -4349,6 +4365,15 @@
   <p:cm authorId="1" dt="2019-04-04T14:09:48.150" idx="3">
     <p:pos x="17327" y="18597"/>
     <p:text>Waiting until all the results are analyzed to write this part</p:text>
+    <p:extLst>
+      <p:ext uri="{C676402C-5697-4E1C-873F-D02D1690AC5C}">
+        <p15:threadingInfo xmlns:p15="http://schemas.microsoft.com/office/powerpoint/2012/main" timeZoneBias="300"/>
+      </p:ext>
+    </p:extLst>
+  </p:cm>
+  <p:cm authorId="1" dt="2019-04-05T10:09:21.719" idx="4">
+    <p:pos x="4017" y="9762"/>
+    <p:text>Update this when we get a final n size</p:text>
     <p:extLst>
       <p:ext uri="{C676402C-5697-4E1C-873F-D02D1690AC5C}">
         <p15:threadingInfo xmlns:p15="http://schemas.microsoft.com/office/powerpoint/2012/main" timeZoneBias="300"/>
@@ -14870,7 +14895,7 @@
         </p:nvSpPr>
         <p:spPr>
           <a:xfrm>
-            <a:off x="17863916" y="28981139"/>
+            <a:off x="17993504" y="22125039"/>
             <a:ext cx="3424765" cy="4672285"/>
           </a:xfrm>
           <a:prstGeom prst="roundRect">
@@ -15128,7 +15153,7 @@
         </p:nvSpPr>
         <p:spPr>
           <a:xfrm>
-            <a:off x="1422400" y="23685500"/>
+            <a:off x="1218296" y="22369469"/>
             <a:ext cx="10751343" cy="1600200"/>
           </a:xfrm>
           <a:prstGeom prst="rect">
@@ -15186,8 +15211,8 @@
         </p:nvSpPr>
         <p:spPr>
           <a:xfrm>
-            <a:off x="13104638" y="9147700"/>
-            <a:ext cx="12555712" cy="5773823"/>
+            <a:off x="13393177" y="8653741"/>
+            <a:ext cx="12555712" cy="7732241"/>
           </a:xfrm>
           <a:prstGeom prst="rect">
             <a:avLst/>
@@ -15333,7 +15358,7 @@
                   <a:schemeClr val="dk1"/>
                 </a:solidFill>
               </a:rPr>
-              <a:t>Combinations of letters and numbers were used as stimuli (e.g., A 15). Following the design of Huff et al. (2013), these pairs by randomly pairing letters (A, D, E, H, I, J, O, P, S, or U) with numbers randomly selected from 1 and 99. Pairs were selected so that half contained odd numbers. Odd numbers and Consonants were mapped to the ‘Q’ key. Even numbers and Vowels were mapped to the ‘P’ key.</a:t>
+              <a:t>Combinations of letters and numbers were used as stimuli (e.g., A 15). Following the design of Huff et al. (2015), these pairs by randomly pairing letters (A, D, E, H, I, J, O, P, S, or U) with numbers randomly selected from 1 and 99. Pairs were selected so that half contained odd numbers. Odd numbers and Consonants were mapped to the ‘Q’ key. Even numbers and Vowels were mapped to the ‘P’ key.</a:t>
             </a:r>
             <a:endParaRPr lang="en-US" sz="4000" b="1" dirty="0">
               <a:solidFill>
@@ -15423,8 +15448,8 @@
         </p:nvSpPr>
         <p:spPr>
           <a:xfrm>
-            <a:off x="1739036" y="24918670"/>
-            <a:ext cx="10734675" cy="7588574"/>
+            <a:off x="1228633" y="24329106"/>
+            <a:ext cx="10880096" cy="13865227"/>
           </a:xfrm>
           <a:prstGeom prst="rect">
             <a:avLst/>
@@ -15440,24 +15465,106 @@
           </a:bodyPr>
           <a:lstStyle/>
           <a:p>
-            <a:pPr marL="0" marR="0" lvl="0" indent="0" algn="l" rtl="0">
-              <a:spcBef>
-                <a:spcPts val="0"/>
-              </a:spcBef>
-              <a:spcAft>
-                <a:spcPts val="0"/>
-              </a:spcAft>
-              <a:buNone/>
-            </a:pPr>
-            <a:endParaRPr sz="2400" dirty="0">
-              <a:solidFill>
-                <a:schemeClr val="dk1"/>
-              </a:solidFill>
-              <a:latin typeface="Calibri"/>
-              <a:ea typeface="Calibri"/>
-              <a:cs typeface="Calibri"/>
-              <a:sym typeface="Calibri"/>
-            </a:endParaRPr>
+            <a:pPr lvl="0"/>
+            <a:r>
+              <a:rPr lang="en-US" sz="3200" dirty="0">
+                <a:solidFill>
+                  <a:schemeClr val="tx1"/>
+                </a:solidFill>
+                <a:latin typeface="Arial" panose="020B0604020202020204" pitchFamily="34" charset="0"/>
+                <a:ea typeface="Calibri"/>
+                <a:cs typeface="Arial" panose="020B0604020202020204" pitchFamily="34" charset="0"/>
+                <a:sym typeface="Calibri"/>
+              </a:rPr>
+              <a:t>	The Consonant-Vowel Odd-Even task (CVOE, </a:t>
+            </a:r>
+            <a:r>
+              <a:rPr lang="en-US" sz="3200" dirty="0" err="1">
+                <a:solidFill>
+                  <a:schemeClr val="tx1"/>
+                </a:solidFill>
+                <a:latin typeface="Arial" panose="020B0604020202020204" pitchFamily="34" charset="0"/>
+                <a:ea typeface="Calibri"/>
+                <a:cs typeface="Arial" panose="020B0604020202020204" pitchFamily="34" charset="0"/>
+                <a:sym typeface="Calibri"/>
+              </a:rPr>
+              <a:t>Minear</a:t>
+            </a:r>
+            <a:r>
+              <a:rPr lang="en-US" sz="3200" dirty="0">
+                <a:solidFill>
+                  <a:schemeClr val="tx1"/>
+                </a:solidFill>
+                <a:latin typeface="Arial" panose="020B0604020202020204" pitchFamily="34" charset="0"/>
+                <a:ea typeface="Calibri"/>
+                <a:cs typeface="Arial" panose="020B0604020202020204" pitchFamily="34" charset="0"/>
+                <a:sym typeface="Calibri"/>
+              </a:rPr>
+              <a:t> &amp; Shah, 2008) is a simple task-switching paradigm that allows the measurement of both local and global task switching costs. In this task, subjects are presented with a letter-number pair (e.g., A 15) and are asked to either classify the letter in the pair as being a consonant or vowel or to classify the number in the pair as being odd or even.  Previous work by </a:t>
+            </a:r>
+            <a:r>
+              <a:rPr lang="en-US" sz="3200" dirty="0" err="1">
+                <a:solidFill>
+                  <a:schemeClr val="tx1"/>
+                </a:solidFill>
+                <a:latin typeface="Arial" panose="020B0604020202020204" pitchFamily="34" charset="0"/>
+                <a:ea typeface="Calibri"/>
+                <a:cs typeface="Arial" panose="020B0604020202020204" pitchFamily="34" charset="0"/>
+                <a:sym typeface="Calibri"/>
+              </a:rPr>
+              <a:t>Tse</a:t>
+            </a:r>
+            <a:r>
+              <a:rPr lang="en-US" sz="3200" dirty="0">
+                <a:solidFill>
+                  <a:schemeClr val="tx1"/>
+                </a:solidFill>
+                <a:latin typeface="Arial" panose="020B0604020202020204" pitchFamily="34" charset="0"/>
+                <a:ea typeface="Calibri"/>
+                <a:cs typeface="Arial" panose="020B0604020202020204" pitchFamily="34" charset="0"/>
+                <a:sym typeface="Calibri"/>
+              </a:rPr>
+              <a:t> et al. (2010) has shown that local switch costs (switch trials compared to non-switch trials) were lower for individuals with mild AD compared to a healthy control group. Additionally, work by Huff et al. (2015) has shown that global switch costs (switch trials compared to pure trials) increase as a function of age and AD.</a:t>
+            </a:r>
+          </a:p>
+          <a:p>
+            <a:pPr lvl="0"/>
+            <a:r>
+              <a:rPr lang="en-US" sz="3200" dirty="0">
+                <a:solidFill>
+                  <a:schemeClr val="tx1"/>
+                </a:solidFill>
+                <a:latin typeface="Arial" panose="020B0604020202020204" pitchFamily="34" charset="0"/>
+                <a:ea typeface="Calibri"/>
+                <a:cs typeface="Arial" panose="020B0604020202020204" pitchFamily="34" charset="0"/>
+                <a:sym typeface="Calibri"/>
+              </a:rPr>
+              <a:t>	Both the </a:t>
+            </a:r>
+            <a:r>
+              <a:rPr lang="en-US" sz="3200" dirty="0" err="1">
+                <a:solidFill>
+                  <a:schemeClr val="tx1"/>
+                </a:solidFill>
+                <a:latin typeface="Arial" panose="020B0604020202020204" pitchFamily="34" charset="0"/>
+                <a:ea typeface="Calibri"/>
+                <a:cs typeface="Arial" panose="020B0604020202020204" pitchFamily="34" charset="0"/>
+                <a:sym typeface="Calibri"/>
+              </a:rPr>
+              <a:t>Tse</a:t>
+            </a:r>
+            <a:r>
+              <a:rPr lang="en-US" sz="3200" dirty="0">
+                <a:solidFill>
+                  <a:schemeClr val="tx1"/>
+                </a:solidFill>
+                <a:latin typeface="Arial" panose="020B0604020202020204" pitchFamily="34" charset="0"/>
+                <a:ea typeface="Calibri"/>
+                <a:cs typeface="Arial" panose="020B0604020202020204" pitchFamily="34" charset="0"/>
+                <a:sym typeface="Calibri"/>
+              </a:rPr>
+              <a:t> et al. (2010) study and the Huff et al. (2015) study used an alternating runs sequence to present switch and non-switch trials. In this sequence, subjects complete the same task twice before the instructions switch to the second task (i.e., CV, CV, OE, OE, CV, CV). Thus, every other trial is a switch block. The present study incorporates both an alternating runs switch task and a randomized switch task (i.e., CV, OE, OE, OE, CV, OE) in which no discernable pattern of task switching can be detected.  Overall, it is expected that mean error rates and RTs will be higher on the switch tasks. Specifically, we hypothesize this local switch cost will be higher on the randomized task relative to the alternating runs task due to the lack of pattern. </a:t>
+            </a:r>
           </a:p>
         </p:txBody>
       </p:sp>
@@ -15469,7 +15576,7 @@
         </p:nvSpPr>
         <p:spPr>
           <a:xfrm>
-            <a:off x="1422400" y="7226543"/>
+            <a:off x="1422400" y="7277343"/>
             <a:ext cx="10751343" cy="1600200"/>
           </a:xfrm>
           <a:prstGeom prst="rect">
@@ -15527,7 +15634,7 @@
         </p:nvSpPr>
         <p:spPr>
           <a:xfrm>
-            <a:off x="13070040" y="21045807"/>
+            <a:off x="13306959" y="27521915"/>
             <a:ext cx="12590310" cy="6879585"/>
           </a:xfrm>
           <a:prstGeom prst="rect">
@@ -15553,22 +15660,6 @@
               </a:buClr>
               <a:buSzPts val="1100"/>
             </a:pPr>
-            <a:r>
-              <a:rPr lang="en-US" sz="4000" b="1" dirty="0">
-                <a:solidFill>
-                  <a:srgbClr val="FF0000"/>
-                </a:solidFill>
-              </a:rPr>
-              <a:t>Procedure:</a:t>
-            </a:r>
-            <a:r>
-              <a:rPr lang="en-US" sz="4000" dirty="0">
-                <a:solidFill>
-                  <a:schemeClr val="dk1"/>
-                </a:solidFill>
-              </a:rPr>
-              <a:t> </a:t>
-            </a:r>
             <a:r>
               <a:rPr lang="en-US" sz="3600" dirty="0">
                 <a:solidFill>
@@ -15694,8 +15785,8 @@
         </p:nvSpPr>
         <p:spPr>
           <a:xfrm>
-            <a:off x="26658276" y="29667851"/>
-            <a:ext cx="24548124" cy="8584823"/>
+            <a:off x="27484890" y="28356045"/>
+            <a:ext cx="22657739" cy="9498927"/>
           </a:xfrm>
           <a:prstGeom prst="rect">
             <a:avLst/>
@@ -15746,7 +15837,7 @@
         </p:nvGrpSpPr>
         <p:grpSpPr>
           <a:xfrm>
-            <a:off x="13433623" y="29023118"/>
+            <a:off x="13393177" y="22167016"/>
             <a:ext cx="4670664" cy="4672285"/>
             <a:chOff x="1494866" y="15949348"/>
             <a:chExt cx="3684710" cy="1881246"/>
@@ -15875,7 +15966,7 @@
         </p:nvSpPr>
         <p:spPr>
           <a:xfrm>
-            <a:off x="22249992" y="28981141"/>
+            <a:off x="22599169" y="22167016"/>
             <a:ext cx="3424765" cy="4672285"/>
           </a:xfrm>
           <a:prstGeom prst="roundRect">
@@ -15931,7 +16022,7 @@
         </p:nvSpPr>
         <p:spPr>
           <a:xfrm>
-            <a:off x="21126440" y="30517184"/>
+            <a:off x="21361503" y="23661080"/>
             <a:ext cx="1392474" cy="1600201"/>
           </a:xfrm>
           <a:prstGeom prst="rightArrow">
@@ -16022,7 +16113,7 @@
           <p:nvPr>
             <p:extLst>
               <p:ext uri="{D42A27DB-BD31-4B8C-83A1-F6EECF244321}">
-                <p14:modId xmlns:p14="http://schemas.microsoft.com/office/powerpoint/2010/main" val="1844684253"/>
+                <p14:modId xmlns:p14="http://schemas.microsoft.com/office/powerpoint/2010/main" val="1213637473"/>
               </p:ext>
             </p:extLst>
           </p:nvPr>
@@ -16050,13 +16141,13 @@
           <p:nvPr>
             <p:extLst>
               <p:ext uri="{D42A27DB-BD31-4B8C-83A1-F6EECF244321}">
-                <p14:modId xmlns:p14="http://schemas.microsoft.com/office/powerpoint/2010/main" val="747433035"/>
+                <p14:modId xmlns:p14="http://schemas.microsoft.com/office/powerpoint/2010/main" val="1827278045"/>
               </p:ext>
             </p:extLst>
           </p:nvPr>
         </p:nvGraphicFramePr>
         <p:xfrm>
-          <a:off x="27078668" y="20127543"/>
+          <a:off x="27078668" y="19189703"/>
           <a:ext cx="11277599" cy="7351333"/>
         </p:xfrm>
         <a:graphic>
@@ -16079,7 +16170,7 @@
         </p:nvSpPr>
         <p:spPr>
           <a:xfrm>
-            <a:off x="34620201" y="18482281"/>
+            <a:off x="34620201" y="18224375"/>
             <a:ext cx="8178800" cy="830997"/>
           </a:xfrm>
           <a:prstGeom prst="rect">
@@ -16118,13 +16209,13 @@
           <p:nvPr>
             <p:extLst>
               <p:ext uri="{D42A27DB-BD31-4B8C-83A1-F6EECF244321}">
-                <p14:modId xmlns:p14="http://schemas.microsoft.com/office/powerpoint/2010/main" val="1067180585"/>
+                <p14:modId xmlns:p14="http://schemas.microsoft.com/office/powerpoint/2010/main" val="1269734815"/>
               </p:ext>
             </p:extLst>
           </p:nvPr>
         </p:nvGraphicFramePr>
         <p:xfrm>
-          <a:off x="38709601" y="20170582"/>
+          <a:off x="38709601" y="19185841"/>
           <a:ext cx="11277599" cy="7351333"/>
         </p:xfrm>
         <a:graphic>
@@ -16147,7 +16238,7 @@
         </p:nvSpPr>
         <p:spPr>
           <a:xfrm>
-            <a:off x="27172451" y="27820642"/>
+            <a:off x="27172138" y="26687785"/>
             <a:ext cx="22657739" cy="1668260"/>
           </a:xfrm>
           <a:prstGeom prst="rect">
@@ -16303,7 +16394,7 @@
         </p:nvSpPr>
         <p:spPr bwMode="auto">
           <a:xfrm>
-            <a:off x="12173743" y="17386450"/>
+            <a:off x="12173743" y="17316112"/>
             <a:ext cx="4684646" cy="3647152"/>
           </a:xfrm>
           <a:prstGeom prst="rect">
@@ -16411,7 +16502,7 @@
         </p:nvSpPr>
         <p:spPr bwMode="auto">
           <a:xfrm>
-            <a:off x="20492396" y="17416297"/>
+            <a:off x="20492396" y="17275621"/>
             <a:ext cx="4684646" cy="3093154"/>
           </a:xfrm>
           <a:prstGeom prst="rect">
@@ -16511,7 +16602,7 @@
         </p:nvSpPr>
         <p:spPr bwMode="auto">
           <a:xfrm>
-            <a:off x="15807750" y="17416297"/>
+            <a:off x="15807750" y="17322513"/>
             <a:ext cx="4684646" cy="3647152"/>
           </a:xfrm>
           <a:prstGeom prst="rect">
@@ -16600,6 +16691,108 @@
                 <a:schemeClr val="tx1"/>
               </a:solidFill>
             </a:endParaRPr>
+          </a:p>
+        </p:txBody>
+      </p:sp>
+      <p:sp>
+        <p:nvSpPr>
+          <p:cNvPr id="3" name="TextBox 2">
+            <a:extLst>
+              <a:ext uri="{FF2B5EF4-FFF2-40B4-BE49-F238E27FC236}">
+                <a16:creationId xmlns:a16="http://schemas.microsoft.com/office/drawing/2014/main" id="{EAFA055C-EF8D-460B-95BE-832F46609095}"/>
+              </a:ext>
+            </a:extLst>
+          </p:cNvPr>
+          <p:cNvSpPr txBox="1"/>
+          <p:nvPr/>
+        </p:nvSpPr>
+        <p:spPr>
+          <a:xfrm>
+            <a:off x="16222103" y="20801943"/>
+            <a:ext cx="6902068" cy="923330"/>
+          </a:xfrm>
+          <a:prstGeom prst="rect">
+            <a:avLst/>
+          </a:prstGeom>
+          <a:noFill/>
+        </p:spPr>
+        <p:txBody>
+          <a:bodyPr wrap="square" rtlCol="0">
+            <a:spAutoFit/>
+          </a:bodyPr>
+          <a:lstStyle/>
+          <a:p>
+            <a:pPr algn="ctr"/>
+            <a:r>
+              <a:rPr lang="en-US" sz="4800" b="1" u="sng" dirty="0">
+                <a:solidFill>
+                  <a:srgbClr val="FF0000"/>
+                </a:solidFill>
+              </a:rPr>
+              <a:t>General </a:t>
+            </a:r>
+            <a:r>
+              <a:rPr lang="en-US" sz="5400" b="1" u="sng" dirty="0">
+                <a:solidFill>
+                  <a:srgbClr val="FF0000"/>
+                </a:solidFill>
+              </a:rPr>
+              <a:t>Procedure</a:t>
+            </a:r>
+            <a:endParaRPr lang="en-US" sz="4800" b="1" u="sng" dirty="0">
+              <a:solidFill>
+                <a:srgbClr val="FF0000"/>
+              </a:solidFill>
+            </a:endParaRPr>
+          </a:p>
+        </p:txBody>
+      </p:sp>
+      <p:sp>
+        <p:nvSpPr>
+          <p:cNvPr id="4" name="TextBox 3">
+            <a:extLst>
+              <a:ext uri="{FF2B5EF4-FFF2-40B4-BE49-F238E27FC236}">
+                <a16:creationId xmlns:a16="http://schemas.microsoft.com/office/drawing/2014/main" id="{6689B6BF-5F07-4675-B851-9D3555B2080D}"/>
+              </a:ext>
+            </a:extLst>
+          </p:cNvPr>
+          <p:cNvSpPr txBox="1"/>
+          <p:nvPr/>
+        </p:nvSpPr>
+        <p:spPr>
+          <a:xfrm>
+            <a:off x="1537151" y="9026597"/>
+            <a:ext cx="10521839" cy="11418510"/>
+          </a:xfrm>
+          <a:prstGeom prst="rect">
+            <a:avLst/>
+          </a:prstGeom>
+          <a:noFill/>
+        </p:spPr>
+        <p:txBody>
+          <a:bodyPr wrap="square" rtlCol="0">
+            <a:spAutoFit/>
+          </a:bodyPr>
+          <a:lstStyle/>
+          <a:p>
+            <a:r>
+              <a:rPr lang="en-US" sz="3200" dirty="0">
+                <a:solidFill>
+                  <a:schemeClr val="tx1"/>
+                </a:solidFill>
+              </a:rPr>
+              <a:t>	Numerous studies in the field of cognitive psychology have aimed to examine differences in attentional control as a function of aging. One advantage of these tasks is that they have the potential to be used in conjunction with other established dementia screenings (such as the Montreal Cognitive Assessment) to non-invasively detect preclinical Alzheimer’s Disease. As such, the present study employs an attentional task switching paradigm (The CVOE task) to investigate differences in attentional control based on age and cognitive impairment due to AD. Previous work has shown that individuals with mild AD perform worse on switch trials relative to pure trials when compared to younger and non-impaired older adults. [SENTENCE ABOUT RANDOM VS ALT RUN HERE]</a:t>
+            </a:r>
+          </a:p>
+          <a:p>
+            <a:r>
+              <a:rPr lang="en-US" sz="3200" dirty="0">
+                <a:solidFill>
+                  <a:schemeClr val="tx1"/>
+                </a:solidFill>
+              </a:rPr>
+              <a:t>	In the present study, XX younger adults were recruited from the University of Southern Mississippi to be used as both a healthy control group and to test the efficacy of the randomized switch task. Overall, [FINDINGS WILL GO HERE]. Thus, we conclude [IMPLICATIONS HERE]. [SENTENCE ABOUT PARTERNING WITH HATTIESBURG CLINIC AND EXTENDING IT TO OLDER AND AD ADULTS HERE] </a:t>
+            </a:r>
           </a:p>
         </p:txBody>
       </p:sp>

--- a/CVOE/3 Presentations/CVOE Poster -- William Carey.pptx
+++ b/CVOE/3 Presentations/CVOE Poster -- William Carey.pptx
@@ -275,7 +275,7 @@
 <file path=ppt/revisionInfo.xml><?xml version="1.0" encoding="utf-8"?>
 <p1510:revInfo xmlns:a="http://schemas.openxmlformats.org/drawingml/2006/main" xmlns:r="http://schemas.openxmlformats.org/officeDocument/2006/relationships" xmlns:p1510="http://schemas.microsoft.com/office/powerpoint/2015/10/main">
   <p1510:revLst>
-    <p1510:client id="{B8B85BB3-9AF1-43A2-861C-5322C49DCBF1}" v="4364" dt="2019-04-05T15:13:48.975"/>
+    <p1510:client id="{B8B85BB3-9AF1-43A2-861C-5322C49DCBF1}" v="4450" dt="2019-04-05T19:03:04.026"/>
   </p1510:revLst>
 </p1510:revInfo>
 </file>
@@ -285,18 +285,18 @@
   <pc:docChgLst>
     <pc:chgData name="Nick Maxwell" userId="8614ede61265de7b" providerId="LiveId" clId="{B8B85BB3-9AF1-43A2-861C-5322C49DCBF1}"/>
     <pc:docChg chg="undo custSel modSld">
-      <pc:chgData name="Nick Maxwell" userId="8614ede61265de7b" providerId="LiveId" clId="{B8B85BB3-9AF1-43A2-861C-5322C49DCBF1}" dt="2019-04-05T15:13:48.975" v="4339" actId="1076"/>
+      <pc:chgData name="Nick Maxwell" userId="8614ede61265de7b" providerId="LiveId" clId="{B8B85BB3-9AF1-43A2-861C-5322C49DCBF1}" dt="2019-04-05T19:03:04.026" v="4425" actId="1035"/>
       <pc:docMkLst>
         <pc:docMk/>
       </pc:docMkLst>
       <pc:sldChg chg="addSp delSp modSp mod addCm modCm">
-        <pc:chgData name="Nick Maxwell" userId="8614ede61265de7b" providerId="LiveId" clId="{B8B85BB3-9AF1-43A2-861C-5322C49DCBF1}" dt="2019-04-05T15:13:48.975" v="4339" actId="1076"/>
+        <pc:chgData name="Nick Maxwell" userId="8614ede61265de7b" providerId="LiveId" clId="{B8B85BB3-9AF1-43A2-861C-5322C49DCBF1}" dt="2019-04-05T19:03:04.026" v="4425" actId="1035"/>
         <pc:sldMkLst>
           <pc:docMk/>
           <pc:sldMk cId="0" sldId="256"/>
         </pc:sldMkLst>
         <pc:spChg chg="add mod">
-          <ac:chgData name="Nick Maxwell" userId="8614ede61265de7b" providerId="LiveId" clId="{B8B85BB3-9AF1-43A2-861C-5322C49DCBF1}" dt="2019-04-04T18:29:42.601" v="1133" actId="1076"/>
+          <ac:chgData name="Nick Maxwell" userId="8614ede61265de7b" providerId="LiveId" clId="{B8B85BB3-9AF1-43A2-861C-5322C49DCBF1}" dt="2019-04-05T18:19:14.314" v="4360" actId="1035"/>
           <ac:spMkLst>
             <pc:docMk/>
             <pc:sldMk cId="0" sldId="256"/>
@@ -312,7 +312,7 @@
           </ac:spMkLst>
         </pc:spChg>
         <pc:spChg chg="add mod">
-          <ac:chgData name="Nick Maxwell" userId="8614ede61265de7b" providerId="LiveId" clId="{B8B85BB3-9AF1-43A2-861C-5322C49DCBF1}" dt="2019-04-05T14:31:07.426" v="2385" actId="403"/>
+          <ac:chgData name="Nick Maxwell" userId="8614ede61265de7b" providerId="LiveId" clId="{B8B85BB3-9AF1-43A2-861C-5322C49DCBF1}" dt="2019-04-05T18:22:12.381" v="4367" actId="403"/>
           <ac:spMkLst>
             <pc:docMk/>
             <pc:sldMk cId="0" sldId="256"/>
@@ -320,7 +320,7 @@
           </ac:spMkLst>
         </pc:spChg>
         <pc:spChg chg="add mod">
-          <ac:chgData name="Nick Maxwell" userId="8614ede61265de7b" providerId="LiveId" clId="{B8B85BB3-9AF1-43A2-861C-5322C49DCBF1}" dt="2019-04-05T15:13:42.609" v="4337" actId="207"/>
+          <ac:chgData name="Nick Maxwell" userId="8614ede61265de7b" providerId="LiveId" clId="{B8B85BB3-9AF1-43A2-861C-5322C49DCBF1}" dt="2019-04-05T18:49:10.574" v="4377" actId="14100"/>
           <ac:spMkLst>
             <pc:docMk/>
             <pc:sldMk cId="0" sldId="256"/>
@@ -328,7 +328,7 @@
           </ac:spMkLst>
         </pc:spChg>
         <pc:spChg chg="add mod">
-          <ac:chgData name="Nick Maxwell" userId="8614ede61265de7b" providerId="LiveId" clId="{B8B85BB3-9AF1-43A2-861C-5322C49DCBF1}" dt="2019-04-05T15:09:29.938" v="4177" actId="1076"/>
+          <ac:chgData name="Nick Maxwell" userId="8614ede61265de7b" providerId="LiveId" clId="{B8B85BB3-9AF1-43A2-861C-5322C49DCBF1}" dt="2019-04-05T18:51:18.916" v="4397" actId="1037"/>
           <ac:spMkLst>
             <pc:docMk/>
             <pc:sldMk cId="0" sldId="256"/>
@@ -360,7 +360,7 @@
           </ac:spMkLst>
         </pc:spChg>
         <pc:spChg chg="add mod">
-          <ac:chgData name="Nick Maxwell" userId="8614ede61265de7b" providerId="LiveId" clId="{B8B85BB3-9AF1-43A2-861C-5322C49DCBF1}" dt="2019-04-05T14:28:57.814" v="2339" actId="1035"/>
+          <ac:chgData name="Nick Maxwell" userId="8614ede61265de7b" providerId="LiveId" clId="{B8B85BB3-9AF1-43A2-861C-5322C49DCBF1}" dt="2019-04-05T18:50:58.481" v="4385" actId="1038"/>
           <ac:spMkLst>
             <pc:docMk/>
             <pc:sldMk cId="0" sldId="256"/>
@@ -384,7 +384,7 @@
           </ac:spMkLst>
         </pc:spChg>
         <pc:spChg chg="add mod">
-          <ac:chgData name="Nick Maxwell" userId="8614ede61265de7b" providerId="LiveId" clId="{B8B85BB3-9AF1-43A2-861C-5322C49DCBF1}" dt="2019-04-05T14:30:11.853" v="2375" actId="1076"/>
+          <ac:chgData name="Nick Maxwell" userId="8614ede61265de7b" providerId="LiveId" clId="{B8B85BB3-9AF1-43A2-861C-5322C49DCBF1}" dt="2019-04-05T18:51:07.912" v="4394" actId="1038"/>
           <ac:spMkLst>
             <pc:docMk/>
             <pc:sldMk cId="0" sldId="256"/>
@@ -464,7 +464,7 @@
           </ac:spMkLst>
         </pc:spChg>
         <pc:spChg chg="add mod">
-          <ac:chgData name="Nick Maxwell" userId="8614ede61265de7b" providerId="LiveId" clId="{B8B85BB3-9AF1-43A2-861C-5322C49DCBF1}" dt="2019-04-05T14:34:59.485" v="2485" actId="1036"/>
+          <ac:chgData name="Nick Maxwell" userId="8614ede61265de7b" providerId="LiveId" clId="{B8B85BB3-9AF1-43A2-861C-5322C49DCBF1}" dt="2019-04-05T18:19:22.800" v="4366" actId="1035"/>
           <ac:spMkLst>
             <pc:docMk/>
             <pc:sldMk cId="0" sldId="256"/>
@@ -472,7 +472,7 @@
           </ac:spMkLst>
         </pc:spChg>
         <pc:spChg chg="add mod">
-          <ac:chgData name="Nick Maxwell" userId="8614ede61265de7b" providerId="LiveId" clId="{B8B85BB3-9AF1-43A2-861C-5322C49DCBF1}" dt="2019-04-05T14:35:10.067" v="2486" actId="1076"/>
+          <ac:chgData name="Nick Maxwell" userId="8614ede61265de7b" providerId="LiveId" clId="{B8B85BB3-9AF1-43A2-861C-5322C49DCBF1}" dt="2019-04-05T18:49:51.665" v="4380" actId="14100"/>
           <ac:spMkLst>
             <pc:docMk/>
             <pc:sldMk cId="0" sldId="256"/>
@@ -496,7 +496,7 @@
           </ac:spMkLst>
         </pc:spChg>
         <pc:spChg chg="mod">
-          <ac:chgData name="Nick Maxwell" userId="8614ede61265de7b" providerId="LiveId" clId="{B8B85BB3-9AF1-43A2-861C-5322C49DCBF1}" dt="2019-04-04T19:06:46.352" v="2044" actId="403"/>
+          <ac:chgData name="Nick Maxwell" userId="8614ede61265de7b" providerId="LiveId" clId="{B8B85BB3-9AF1-43A2-861C-5322C49DCBF1}" dt="2019-04-05T18:59:05.148" v="4405" actId="14100"/>
           <ac:spMkLst>
             <pc:docMk/>
             <pc:sldMk cId="0" sldId="256"/>
@@ -504,7 +504,7 @@
           </ac:spMkLst>
         </pc:spChg>
         <pc:spChg chg="mod">
-          <ac:chgData name="Nick Maxwell" userId="8614ede61265de7b" providerId="LiveId" clId="{B8B85BB3-9AF1-43A2-861C-5322C49DCBF1}" dt="2019-04-04T19:08:15.701" v="2048" actId="14100"/>
+          <ac:chgData name="Nick Maxwell" userId="8614ede61265de7b" providerId="LiveId" clId="{B8B85BB3-9AF1-43A2-861C-5322C49DCBF1}" dt="2019-04-05T18:59:09.866" v="4410" actId="1035"/>
           <ac:spMkLst>
             <pc:docMk/>
             <pc:sldMk cId="0" sldId="256"/>
@@ -544,7 +544,7 @@
           </ac:spMkLst>
         </pc:spChg>
         <pc:spChg chg="mod">
-          <ac:chgData name="Nick Maxwell" userId="8614ede61265de7b" providerId="LiveId" clId="{B8B85BB3-9AF1-43A2-861C-5322C49DCBF1}" dt="2019-04-05T15:13:47.879" v="4338" actId="207"/>
+          <ac:chgData name="Nick Maxwell" userId="8614ede61265de7b" providerId="LiveId" clId="{B8B85BB3-9AF1-43A2-861C-5322C49DCBF1}" dt="2019-04-05T18:49:24.008" v="4378" actId="1076"/>
           <ac:spMkLst>
             <pc:docMk/>
             <pc:sldMk cId="0" sldId="256"/>
@@ -552,7 +552,7 @@
           </ac:spMkLst>
         </pc:spChg>
         <pc:spChg chg="mod">
-          <ac:chgData name="Nick Maxwell" userId="8614ede61265de7b" providerId="LiveId" clId="{B8B85BB3-9AF1-43A2-861C-5322C49DCBF1}" dt="2019-04-04T20:37:11.267" v="2057" actId="1036"/>
+          <ac:chgData name="Nick Maxwell" userId="8614ede61265de7b" providerId="LiveId" clId="{B8B85BB3-9AF1-43A2-861C-5322C49DCBF1}" dt="2019-04-05T18:59:14.348" v="4420" actId="1035"/>
           <ac:spMkLst>
             <pc:docMk/>
             <pc:sldMk cId="0" sldId="256"/>
@@ -568,7 +568,7 @@
           </ac:spMkLst>
         </pc:spChg>
         <pc:spChg chg="mod">
-          <ac:chgData name="Nick Maxwell" userId="8614ede61265de7b" providerId="LiveId" clId="{B8B85BB3-9AF1-43A2-861C-5322C49DCBF1}" dt="2019-04-04T18:56:19.259" v="1902" actId="14100"/>
+          <ac:chgData name="Nick Maxwell" userId="8614ede61265de7b" providerId="LiveId" clId="{B8B85BB3-9AF1-43A2-861C-5322C49DCBF1}" dt="2019-04-05T18:59:12.095" v="4415" actId="1035"/>
           <ac:spMkLst>
             <pc:docMk/>
             <pc:sldMk cId="0" sldId="256"/>
@@ -600,7 +600,7 @@
           </ac:spMkLst>
         </pc:spChg>
         <pc:spChg chg="mod">
-          <ac:chgData name="Nick Maxwell" userId="8614ede61265de7b" providerId="LiveId" clId="{B8B85BB3-9AF1-43A2-861C-5322C49DCBF1}" dt="2019-04-05T15:13:48.975" v="4339" actId="1076"/>
+          <ac:chgData name="Nick Maxwell" userId="8614ede61265de7b" providerId="LiveId" clId="{B8B85BB3-9AF1-43A2-861C-5322C49DCBF1}" dt="2019-04-05T18:51:57.811" v="4403" actId="14100"/>
           <ac:spMkLst>
             <pc:docMk/>
             <pc:sldMk cId="0" sldId="256"/>
@@ -672,7 +672,7 @@
           </ac:grpSpMkLst>
         </pc:grpChg>
         <pc:graphicFrameChg chg="add mod">
-          <ac:chgData name="Nick Maxwell" userId="8614ede61265de7b" providerId="LiveId" clId="{B8B85BB3-9AF1-43A2-861C-5322C49DCBF1}" dt="2019-04-05T14:33:28.532" v="2394" actId="20577"/>
+          <ac:chgData name="Nick Maxwell" userId="8614ede61265de7b" providerId="LiveId" clId="{B8B85BB3-9AF1-43A2-861C-5322C49DCBF1}" dt="2019-04-05T18:19:18.109" v="4364" actId="1035"/>
           <ac:graphicFrameMkLst>
             <pc:docMk/>
             <pc:sldMk cId="0" sldId="256"/>
@@ -704,7 +704,7 @@
           </ac:graphicFrameMkLst>
         </pc:graphicFrameChg>
         <pc:graphicFrameChg chg="add mod">
-          <ac:chgData name="Nick Maxwell" userId="8614ede61265de7b" providerId="LiveId" clId="{B8B85BB3-9AF1-43A2-861C-5322C49DCBF1}" dt="2019-04-04T19:05:20.321" v="2033" actId="207"/>
+          <ac:chgData name="Nick Maxwell" userId="8614ede61265de7b" providerId="LiveId" clId="{B8B85BB3-9AF1-43A2-861C-5322C49DCBF1}" dt="2019-04-05T18:19:16.060" v="4362" actId="1035"/>
           <ac:graphicFrameMkLst>
             <pc:docMk/>
             <pc:sldMk cId="0" sldId="256"/>
@@ -712,7 +712,7 @@
           </ac:graphicFrameMkLst>
         </pc:graphicFrameChg>
         <pc:picChg chg="mod">
-          <ac:chgData name="Nick Maxwell" userId="8614ede61265de7b" providerId="LiveId" clId="{B8B85BB3-9AF1-43A2-861C-5322C49DCBF1}" dt="2019-04-04T18:29:15.317" v="1076" actId="1076"/>
+          <ac:chgData name="Nick Maxwell" userId="8614ede61265de7b" providerId="LiveId" clId="{B8B85BB3-9AF1-43A2-861C-5322C49DCBF1}" dt="2019-04-05T19:03:04.026" v="4425" actId="1035"/>
           <ac:picMkLst>
             <pc:docMk/>
             <pc:sldMk cId="0" sldId="256"/>
@@ -4372,9 +4372,9 @@
     </p:extLst>
   </p:cm>
   <p:cm authorId="1" dt="2019-04-05T10:09:21.719" idx="4">
-    <p:pos x="4017" y="9762"/>
-    <p:text>Update this when we get a final n size</p:text>
-    <p:extLst>
+    <p:pos x="3825" y="9314"/>
+    <p:text>Will update this when we get a final n size</p:text>
+    <p:extLst mod="1">
       <p:ext uri="{C676402C-5697-4E1C-873F-D02D1690AC5C}">
         <p15:threadingInfo xmlns:p15="http://schemas.microsoft.com/office/powerpoint/2012/main" timeZoneBias="300"/>
       </p:ext>
@@ -14945,7 +14945,7 @@
         <p:spPr>
           <a:xfrm>
             <a:off x="1447800" y="1535375"/>
-            <a:ext cx="48425100" cy="5238150"/>
+            <a:ext cx="48425100" cy="4808297"/>
           </a:xfrm>
           <a:prstGeom prst="rect">
             <a:avLst/>
@@ -15063,18 +15063,6 @@
                 <a:sym typeface="Calibri"/>
               </a:rPr>
             </a:br>
-            <a:r>
-              <a:rPr lang="en-US" sz="6000" b="0" i="1" u="none" strike="noStrike" cap="none" dirty="0">
-                <a:solidFill>
-                  <a:schemeClr val="lt1"/>
-                </a:solidFill>
-                <a:latin typeface="Calibri"/>
-                <a:ea typeface="Calibri"/>
-                <a:cs typeface="Calibri"/>
-                <a:sym typeface="Calibri"/>
-              </a:rPr>
-              <a:t>William Carey University – Master of Biomedical Science</a:t>
-            </a:r>
             <a:endParaRPr sz="6000" b="0" i="1" u="none" strike="noStrike" cap="none" dirty="0">
               <a:solidFill>
                 <a:schemeClr val="lt1"/>
@@ -15095,7 +15083,7 @@
         </p:nvSpPr>
         <p:spPr>
           <a:xfrm>
-            <a:off x="13261294" y="7225459"/>
+            <a:off x="13261294" y="6971459"/>
             <a:ext cx="12555712" cy="1662880"/>
           </a:xfrm>
           <a:prstGeom prst="rect">
@@ -15448,7 +15436,7 @@
         </p:nvSpPr>
         <p:spPr>
           <a:xfrm>
-            <a:off x="1228633" y="24329106"/>
+            <a:off x="1228633" y="24136494"/>
             <a:ext cx="10880096" cy="13865227"/>
           </a:xfrm>
           <a:prstGeom prst="rect">
@@ -15576,7 +15564,7 @@
         </p:nvSpPr>
         <p:spPr>
           <a:xfrm>
-            <a:off x="1422400" y="7277343"/>
+            <a:off x="1422400" y="7023343"/>
             <a:ext cx="10751343" cy="1600200"/>
           </a:xfrm>
           <a:prstGeom prst="rect">
@@ -15700,8 +15688,8 @@
         </p:nvSpPr>
         <p:spPr>
           <a:xfrm>
-            <a:off x="26658276" y="7233311"/>
-            <a:ext cx="23171601" cy="1662880"/>
+            <a:off x="26904557" y="6979311"/>
+            <a:ext cx="22925320" cy="1662880"/>
           </a:xfrm>
           <a:prstGeom prst="rect">
             <a:avLst/>
@@ -15765,7 +15753,7 @@
         </p:blipFill>
         <p:spPr>
           <a:xfrm>
-            <a:off x="1764978" y="2118830"/>
+            <a:off x="1764978" y="1864830"/>
             <a:ext cx="4239733" cy="4183689"/>
           </a:xfrm>
           <a:prstGeom prst="rect">
@@ -15785,8 +15773,8 @@
         </p:nvSpPr>
         <p:spPr>
           <a:xfrm>
-            <a:off x="27484890" y="28356045"/>
-            <a:ext cx="22657739" cy="9498927"/>
+            <a:off x="27114304" y="28429102"/>
+            <a:ext cx="22715574" cy="9572619"/>
           </a:xfrm>
           <a:prstGeom prst="rect">
             <a:avLst/>
@@ -16074,7 +16062,7 @@
         </p:nvSpPr>
         <p:spPr>
           <a:xfrm>
-            <a:off x="34620201" y="9551629"/>
+            <a:off x="34620201" y="9196029"/>
             <a:ext cx="8178800" cy="830997"/>
           </a:xfrm>
           <a:prstGeom prst="rect">
@@ -16113,13 +16101,13 @@
           <p:nvPr>
             <p:extLst>
               <p:ext uri="{D42A27DB-BD31-4B8C-83A1-F6EECF244321}">
-                <p14:modId xmlns:p14="http://schemas.microsoft.com/office/powerpoint/2010/main" val="1213637473"/>
+                <p14:modId xmlns:p14="http://schemas.microsoft.com/office/powerpoint/2010/main" val="2420506216"/>
               </p:ext>
             </p:extLst>
           </p:nvPr>
         </p:nvGraphicFramePr>
         <p:xfrm>
-          <a:off x="26952034" y="10655316"/>
+          <a:off x="26952034" y="10350516"/>
           <a:ext cx="11277599" cy="7351333"/>
         </p:xfrm>
         <a:graphic>
@@ -16170,7 +16158,7 @@
         </p:nvSpPr>
         <p:spPr>
           <a:xfrm>
-            <a:off x="34620201" y="18224375"/>
+            <a:off x="34620201" y="17923046"/>
             <a:ext cx="8178800" cy="830997"/>
           </a:xfrm>
           <a:prstGeom prst="rect">
@@ -16238,8 +16226,8 @@
         </p:nvSpPr>
         <p:spPr>
           <a:xfrm>
-            <a:off x="27172138" y="26687785"/>
-            <a:ext cx="22657739" cy="1668260"/>
+            <a:off x="27072830" y="26636985"/>
+            <a:ext cx="22757047" cy="1668260"/>
           </a:xfrm>
           <a:prstGeom prst="rect">
             <a:avLst/>
@@ -16301,13 +16289,13 @@
           <p:nvPr>
             <p:extLst>
               <p:ext uri="{D42A27DB-BD31-4B8C-83A1-F6EECF244321}">
-                <p14:modId xmlns:p14="http://schemas.microsoft.com/office/powerpoint/2010/main" val="703122002"/>
+                <p14:modId xmlns:p14="http://schemas.microsoft.com/office/powerpoint/2010/main" val="4257089110"/>
               </p:ext>
             </p:extLst>
           </p:nvPr>
         </p:nvGraphicFramePr>
         <p:xfrm>
-          <a:off x="38552278" y="10673313"/>
+          <a:off x="38552278" y="10368513"/>
           <a:ext cx="11277599" cy="7351333"/>
         </p:xfrm>
         <a:graphic>
@@ -16394,7 +16382,7 @@
         </p:nvSpPr>
         <p:spPr bwMode="auto">
           <a:xfrm>
-            <a:off x="12173743" y="17316112"/>
+            <a:off x="12224543" y="17316112"/>
             <a:ext cx="4684646" cy="3647152"/>
           </a:xfrm>
           <a:prstGeom prst="rect">
@@ -16440,7 +16428,7 @@
                   <a:schemeClr val="tx1"/>
                 </a:solidFill>
               </a:rPr>
-              <a:t>A 18</a:t>
+              <a:t>A 15</a:t>
             </a:r>
           </a:p>
           <a:p>
@@ -16473,7 +16461,7 @@
                   <a:schemeClr val="tx1"/>
                 </a:solidFill>
               </a:rPr>
-              <a:t>H 35</a:t>
+              <a:t>H 36</a:t>
             </a:r>
           </a:p>
           <a:p>
@@ -16502,7 +16490,7 @@
         </p:nvSpPr>
         <p:spPr bwMode="auto">
           <a:xfrm>
-            <a:off x="20492396" y="17275621"/>
+            <a:off x="20746396" y="17275621"/>
             <a:ext cx="4684646" cy="3093154"/>
           </a:xfrm>
           <a:prstGeom prst="rect">
@@ -16602,7 +16590,7 @@
         </p:nvSpPr>
         <p:spPr bwMode="auto">
           <a:xfrm>
-            <a:off x="15807750" y="17322513"/>
+            <a:off x="16061750" y="17322513"/>
             <a:ext cx="4684646" cy="3647152"/>
           </a:xfrm>
           <a:prstGeom prst="rect">
@@ -16724,20 +16712,12 @@
           <a:p>
             <a:pPr algn="ctr"/>
             <a:r>
-              <a:rPr lang="en-US" sz="4800" b="1" u="sng" dirty="0">
-                <a:solidFill>
-                  <a:srgbClr val="FF0000"/>
-                </a:solidFill>
-              </a:rPr>
-              <a:t>General </a:t>
-            </a:r>
-            <a:r>
               <a:rPr lang="en-US" sz="5400" b="1" u="sng" dirty="0">
                 <a:solidFill>
                   <a:srgbClr val="FF0000"/>
                 </a:solidFill>
               </a:rPr>
-              <a:t>Procedure</a:t>
+              <a:t>General Procedure</a:t>
             </a:r>
             <a:endParaRPr lang="en-US" sz="4800" b="1" u="sng" dirty="0">
               <a:solidFill>
@@ -16761,8 +16741,8 @@
         </p:nvSpPr>
         <p:spPr>
           <a:xfrm>
-            <a:off x="1537151" y="9026597"/>
-            <a:ext cx="10521839" cy="11418510"/>
+            <a:off x="1376522" y="9036272"/>
+            <a:ext cx="10732207" cy="10926068"/>
           </a:xfrm>
           <a:prstGeom prst="rect">
             <a:avLst/>

--- a/CVOE/3 Presentations/CVOE Poster -- William Carey.pptx
+++ b/CVOE/3 Presentations/CVOE Poster -- William Carey.pptx
@@ -275,7 +275,7 @@
 <file path=ppt/revisionInfo.xml><?xml version="1.0" encoding="utf-8"?>
 <p1510:revInfo xmlns:a="http://schemas.openxmlformats.org/drawingml/2006/main" xmlns:r="http://schemas.openxmlformats.org/officeDocument/2006/relationships" xmlns:p1510="http://schemas.microsoft.com/office/powerpoint/2015/10/main">
   <p1510:revLst>
-    <p1510:client id="{B8B85BB3-9AF1-43A2-861C-5322C49DCBF1}" v="4450" dt="2019-04-05T19:03:04.026"/>
+    <p1510:client id="{B8B85BB3-9AF1-43A2-861C-5322C49DCBF1}" v="4620" dt="2019-04-07T21:17:46.266"/>
   </p1510:revLst>
 </p1510:revInfo>
 </file>
@@ -285,12 +285,12 @@
   <pc:docChgLst>
     <pc:chgData name="Nick Maxwell" userId="8614ede61265de7b" providerId="LiveId" clId="{B8B85BB3-9AF1-43A2-861C-5322C49DCBF1}"/>
     <pc:docChg chg="undo custSel modSld">
-      <pc:chgData name="Nick Maxwell" userId="8614ede61265de7b" providerId="LiveId" clId="{B8B85BB3-9AF1-43A2-861C-5322C49DCBF1}" dt="2019-04-05T19:03:04.026" v="4425" actId="1035"/>
+      <pc:chgData name="Nick Maxwell" userId="8614ede61265de7b" providerId="LiveId" clId="{B8B85BB3-9AF1-43A2-861C-5322C49DCBF1}" dt="2019-04-07T21:17:46.266" v="4595" actId="20577"/>
       <pc:docMkLst>
         <pc:docMk/>
       </pc:docMkLst>
       <pc:sldChg chg="addSp delSp modSp mod addCm modCm">
-        <pc:chgData name="Nick Maxwell" userId="8614ede61265de7b" providerId="LiveId" clId="{B8B85BB3-9AF1-43A2-861C-5322C49DCBF1}" dt="2019-04-05T19:03:04.026" v="4425" actId="1035"/>
+        <pc:chgData name="Nick Maxwell" userId="8614ede61265de7b" providerId="LiveId" clId="{B8B85BB3-9AF1-43A2-861C-5322C49DCBF1}" dt="2019-04-07T21:17:46.266" v="4595" actId="20577"/>
         <pc:sldMkLst>
           <pc:docMk/>
           <pc:sldMk cId="0" sldId="256"/>
@@ -496,7 +496,7 @@
           </ac:spMkLst>
         </pc:spChg>
         <pc:spChg chg="mod">
-          <ac:chgData name="Nick Maxwell" userId="8614ede61265de7b" providerId="LiveId" clId="{B8B85BB3-9AF1-43A2-861C-5322C49DCBF1}" dt="2019-04-05T18:59:05.148" v="4405" actId="14100"/>
+          <ac:chgData name="Nick Maxwell" userId="8614ede61265de7b" providerId="LiveId" clId="{B8B85BB3-9AF1-43A2-861C-5322C49DCBF1}" dt="2019-04-07T21:17:46.266" v="4595" actId="20577"/>
           <ac:spMkLst>
             <pc:docMk/>
             <pc:sldMk cId="0" sldId="256"/>
@@ -15026,10 +15026,10 @@
                 <a:cs typeface="Calibri"/>
                 <a:sym typeface="Calibri"/>
               </a:rPr>
-              <a:t>Mark J. Huff, PhD , Ronald Schwartz, MD, CPI, Nicholas P. Maxwell, MS, Cheryl </a:t>
+              <a:t>Nicholas P. Maxwell</a:t>
             </a:r>
             <a:r>
-              <a:rPr lang="en-US" sz="6000" i="1" dirty="0" err="1">
+              <a:rPr lang="en-US" sz="6000" i="1" baseline="30000" dirty="0">
                 <a:solidFill>
                   <a:schemeClr val="lt1"/>
                 </a:solidFill>
@@ -15038,7 +15038,79 @@
                 <a:cs typeface="Calibri"/>
                 <a:sym typeface="Calibri"/>
               </a:rPr>
-              <a:t>Obiadi</a:t>
+              <a:t>1</a:t>
+            </a:r>
+            <a:r>
+              <a:rPr lang="en-US" sz="6000" i="1" dirty="0">
+                <a:solidFill>
+                  <a:schemeClr val="lt1"/>
+                </a:solidFill>
+                <a:latin typeface="Calibri"/>
+                <a:ea typeface="Calibri"/>
+                <a:cs typeface="Calibri"/>
+                <a:sym typeface="Calibri"/>
+              </a:rPr>
+              <a:t>, MS, Mark. J. Huff</a:t>
+            </a:r>
+            <a:r>
+              <a:rPr lang="en-US" sz="6000" i="1" baseline="30000" dirty="0">
+                <a:solidFill>
+                  <a:schemeClr val="lt1"/>
+                </a:solidFill>
+                <a:latin typeface="Calibri"/>
+                <a:ea typeface="Calibri"/>
+                <a:cs typeface="Calibri"/>
+                <a:sym typeface="Calibri"/>
+              </a:rPr>
+              <a:t>1</a:t>
+            </a:r>
+            <a:r>
+              <a:rPr lang="en-US" sz="6000" i="1" dirty="0">
+                <a:solidFill>
+                  <a:schemeClr val="lt1"/>
+                </a:solidFill>
+                <a:latin typeface="Calibri"/>
+                <a:ea typeface="Calibri"/>
+                <a:cs typeface="Calibri"/>
+                <a:sym typeface="Calibri"/>
+              </a:rPr>
+              <a:t>, PhD, Ronald Schwartz</a:t>
+            </a:r>
+            <a:r>
+              <a:rPr lang="en-US" sz="6000" i="1" baseline="30000" dirty="0">
+                <a:solidFill>
+                  <a:schemeClr val="lt1"/>
+                </a:solidFill>
+                <a:latin typeface="Calibri"/>
+                <a:ea typeface="Calibri"/>
+                <a:cs typeface="Calibri"/>
+                <a:sym typeface="Calibri"/>
+              </a:rPr>
+              <a:t>2</a:t>
+            </a:r>
+            <a:r>
+              <a:rPr lang="en-US" sz="6000" i="1" dirty="0">
+                <a:solidFill>
+                  <a:schemeClr val="lt1"/>
+                </a:solidFill>
+                <a:latin typeface="Calibri"/>
+                <a:ea typeface="Calibri"/>
+                <a:cs typeface="Calibri"/>
+                <a:sym typeface="Calibri"/>
+              </a:rPr>
+              <a:t>, MD, CPI, Cheryl Obiadi</a:t>
+            </a:r>
+            <a:r>
+              <a:rPr lang="en-US" sz="6000" i="1" baseline="30000" dirty="0">
+                <a:solidFill>
+                  <a:schemeClr val="lt1"/>
+                </a:solidFill>
+                <a:latin typeface="Calibri"/>
+                <a:ea typeface="Calibri"/>
+                <a:cs typeface="Calibri"/>
+                <a:sym typeface="Calibri"/>
+              </a:rPr>
+              <a:t>3</a:t>
             </a:r>
             <a:r>
               <a:rPr lang="en-US" sz="6000" i="1" dirty="0">
@@ -15053,7 +15125,7 @@
               <a:t>, BA</a:t>
             </a:r>
             <a:br>
-              <a:rPr lang="en-US" sz="6000" b="0" i="1" u="none" strike="noStrike" cap="none" dirty="0">
+              <a:rPr lang="en-US" sz="6000" b="0" i="1" u="none" strike="noStrike" cap="none">
                 <a:solidFill>
                   <a:schemeClr val="lt1"/>
                 </a:solidFill>
@@ -15063,6 +15135,138 @@
                 <a:sym typeface="Calibri"/>
               </a:rPr>
             </a:br>
+            <a:r>
+              <a:rPr lang="en-US" sz="4800" b="0" i="1" u="none" strike="noStrike" cap="none" baseline="30000">
+                <a:solidFill>
+                  <a:schemeClr val="lt1"/>
+                </a:solidFill>
+                <a:latin typeface="Calibri"/>
+                <a:ea typeface="Calibri"/>
+                <a:cs typeface="Calibri"/>
+                <a:sym typeface="Calibri"/>
+              </a:rPr>
+              <a:t>1 </a:t>
+            </a:r>
+            <a:r>
+              <a:rPr lang="en-US" sz="4800" b="0" i="1" u="none" strike="noStrike" cap="none">
+                <a:solidFill>
+                  <a:schemeClr val="lt1"/>
+                </a:solidFill>
+                <a:latin typeface="Calibri"/>
+                <a:ea typeface="Calibri"/>
+                <a:cs typeface="Calibri"/>
+                <a:sym typeface="Calibri"/>
+              </a:rPr>
+              <a:t>The </a:t>
+            </a:r>
+            <a:r>
+              <a:rPr lang="en-US" sz="4800" b="0" i="1" u="none" strike="noStrike" cap="none" dirty="0">
+                <a:solidFill>
+                  <a:schemeClr val="lt1"/>
+                </a:solidFill>
+                <a:latin typeface="Calibri"/>
+                <a:ea typeface="Calibri"/>
+                <a:cs typeface="Calibri"/>
+                <a:sym typeface="Calibri"/>
+              </a:rPr>
+              <a:t>University of Southern Mississippi</a:t>
+            </a:r>
+            <a:r>
+              <a:rPr lang="en-US" sz="4800" b="0" i="1" u="none" strike="noStrike" cap="none">
+                <a:solidFill>
+                  <a:schemeClr val="lt1"/>
+                </a:solidFill>
+                <a:latin typeface="Calibri"/>
+                <a:ea typeface="Calibri"/>
+                <a:cs typeface="Calibri"/>
+                <a:sym typeface="Calibri"/>
+              </a:rPr>
+              <a:t>, </a:t>
+            </a:r>
+            <a:r>
+              <a:rPr lang="en-US" sz="4800" b="0" i="1" u="none" strike="noStrike" cap="none" baseline="30000">
+                <a:solidFill>
+                  <a:schemeClr val="lt1"/>
+                </a:solidFill>
+                <a:latin typeface="Calibri"/>
+                <a:ea typeface="Calibri"/>
+                <a:cs typeface="Calibri"/>
+                <a:sym typeface="Calibri"/>
+              </a:rPr>
+              <a:t>2 </a:t>
+            </a:r>
+            <a:r>
+              <a:rPr lang="en-US" sz="4800" b="0" i="1" u="none" strike="noStrike" cap="none">
+                <a:solidFill>
+                  <a:schemeClr val="lt1"/>
+                </a:solidFill>
+                <a:latin typeface="Calibri"/>
+                <a:ea typeface="Calibri"/>
+                <a:cs typeface="Calibri"/>
+                <a:sym typeface="Calibri"/>
+              </a:rPr>
+              <a:t>Hattiesburg </a:t>
+            </a:r>
+            <a:r>
+              <a:rPr lang="en-US" sz="4800" b="0" i="1" u="none" strike="noStrike" cap="none" dirty="0">
+                <a:solidFill>
+                  <a:schemeClr val="lt1"/>
+                </a:solidFill>
+                <a:latin typeface="Calibri"/>
+                <a:ea typeface="Calibri"/>
+                <a:cs typeface="Calibri"/>
+                <a:sym typeface="Calibri"/>
+              </a:rPr>
+              <a:t>Clinic</a:t>
+            </a:r>
+            <a:r>
+              <a:rPr lang="en-US" sz="4800" b="0" i="1" u="none" strike="noStrike" cap="none">
+                <a:solidFill>
+                  <a:schemeClr val="lt1"/>
+                </a:solidFill>
+                <a:latin typeface="Calibri"/>
+                <a:ea typeface="Calibri"/>
+                <a:cs typeface="Calibri"/>
+                <a:sym typeface="Calibri"/>
+              </a:rPr>
+              <a:t>, </a:t>
+            </a:r>
+            <a:r>
+              <a:rPr lang="en-US" sz="4800" b="0" i="1" u="none" strike="noStrike" cap="none" baseline="30000">
+                <a:solidFill>
+                  <a:schemeClr val="lt1"/>
+                </a:solidFill>
+                <a:latin typeface="Calibri"/>
+                <a:ea typeface="Calibri"/>
+                <a:cs typeface="Calibri"/>
+                <a:sym typeface="Calibri"/>
+              </a:rPr>
+              <a:t>3 </a:t>
+            </a:r>
+            <a:r>
+              <a:rPr lang="en-US" sz="4800" b="0" i="1" u="none" strike="noStrike" cap="none">
+                <a:solidFill>
+                  <a:schemeClr val="lt1"/>
+                </a:solidFill>
+                <a:latin typeface="Calibri"/>
+                <a:ea typeface="Calibri"/>
+                <a:cs typeface="Calibri"/>
+                <a:sym typeface="Calibri"/>
+              </a:rPr>
+              <a:t>William </a:t>
+            </a:r>
+            <a:r>
+              <a:rPr lang="en-US" sz="4800" b="0" i="1" u="none" strike="noStrike" cap="none" dirty="0">
+                <a:solidFill>
+                  <a:schemeClr val="lt1"/>
+                </a:solidFill>
+                <a:latin typeface="Calibri"/>
+                <a:ea typeface="Calibri"/>
+                <a:cs typeface="Calibri"/>
+                <a:sym typeface="Calibri"/>
+              </a:rPr>
+              <a:t>Carey University</a:t>
+            </a:r>
             <a:endParaRPr sz="6000" b="0" i="1" u="none" strike="noStrike" cap="none" dirty="0">
               <a:solidFill>
                 <a:schemeClr val="lt1"/>
